--- a/spring-boot/lesson-11/[课件] Spring Boot 系列之消息.pptx
+++ b/spring-boot/lesson-11/[课件] Spring Boot 系列之消息.pptx
@@ -126,7 +126,7 @@
   </p:defaultTextStyle>
   <p:extLst>
     <p:ext uri="{EFAFB233-063F-42B5-8137-9DF3F51BA10A}">
-      <p15:sldGuideLst xmlns="" xmlns:p15="http://schemas.microsoft.com/office/powerpoint/2012/main">
+      <p15:sldGuideLst xmlns:p15="http://schemas.microsoft.com/office/powerpoint/2012/main" xmlns="">
         <p15:guide id="1" orient="horz" pos="2160">
           <p15:clr>
             <a:srgbClr val="A4A3A4"/>
@@ -225,7 +225,7 @@
           <a:p>
             <a:fld id="{25106D4C-56BE-4E10-AEE3-52A98C7525F6}" type="datetimeFigureOut">
               <a:rPr lang="zh-CN" altLang="en-US" smtClean="0"/>
-              <a:t>17/8/8</a:t>
+              <a:t>17/8/12</a:t>
             </a:fld>
             <a:endParaRPr lang="zh-CN" altLang="en-US"/>
           </a:p>
@@ -1300,7 +1300,7 @@
             <a:fld id="{B61BEF0D-F0BB-DE4B-95CE-6DB70DBA9567}" type="datetimeFigureOut">
               <a:rPr lang="en-US" dirty="0"/>
               <a:pPr/>
-              <a:t>17/8/8</a:t>
+              <a:t>17/8/12</a:t>
             </a:fld>
             <a:endParaRPr lang="en-US" dirty="0"/>
           </a:p>
@@ -1548,7 +1548,7 @@
             <a:fld id="{B61BEF0D-F0BB-DE4B-95CE-6DB70DBA9567}" type="datetimeFigureOut">
               <a:rPr lang="en-US" dirty="0"/>
               <a:pPr/>
-              <a:t>17/8/8</a:t>
+              <a:t>17/8/12</a:t>
             </a:fld>
             <a:endParaRPr lang="en-US" dirty="0"/>
           </a:p>
@@ -1859,7 +1859,7 @@
             <a:fld id="{B61BEF0D-F0BB-DE4B-95CE-6DB70DBA9567}" type="datetimeFigureOut">
               <a:rPr lang="en-US" dirty="0"/>
               <a:pPr/>
-              <a:t>17/8/8</a:t>
+              <a:t>17/8/12</a:t>
             </a:fld>
             <a:endParaRPr lang="en-US" dirty="0"/>
           </a:p>
@@ -2197,7 +2197,7 @@
             <a:fld id="{B61BEF0D-F0BB-DE4B-95CE-6DB70DBA9567}" type="datetimeFigureOut">
               <a:rPr lang="en-US" dirty="0"/>
               <a:pPr/>
-              <a:t>17/8/8</a:t>
+              <a:t>17/8/12</a:t>
             </a:fld>
             <a:endParaRPr lang="en-US" dirty="0"/>
           </a:p>
@@ -2508,7 +2508,7 @@
             <a:fld id="{B61BEF0D-F0BB-DE4B-95CE-6DB70DBA9567}" type="datetimeFigureOut">
               <a:rPr lang="en-US" dirty="0"/>
               <a:pPr/>
-              <a:t>17/8/8</a:t>
+              <a:t>17/8/12</a:t>
             </a:fld>
             <a:endParaRPr lang="en-US" dirty="0"/>
           </a:p>
@@ -2898,7 +2898,7 @@
             <a:fld id="{B61BEF0D-F0BB-DE4B-95CE-6DB70DBA9567}" type="datetimeFigureOut">
               <a:rPr lang="en-US" dirty="0"/>
               <a:pPr/>
-              <a:t>17/8/8</a:t>
+              <a:t>17/8/12</a:t>
             </a:fld>
             <a:endParaRPr lang="en-US" dirty="0"/>
           </a:p>
@@ -3064,7 +3064,7 @@
           <a:p>
             <a:fld id="{55C6B4A9-1611-4792-9094-5F34BCA07E0B}" type="datetimeFigureOut">
               <a:rPr lang="en-US" dirty="0"/>
-              <a:t>17/8/8</a:t>
+              <a:t>17/8/12</a:t>
             </a:fld>
             <a:endParaRPr lang="en-US" dirty="0"/>
           </a:p>
@@ -3240,7 +3240,7 @@
             <a:fld id="{B61BEF0D-F0BB-DE4B-95CE-6DB70DBA9567}" type="datetimeFigureOut">
               <a:rPr lang="en-US" dirty="0"/>
               <a:pPr/>
-              <a:t>17/8/8</a:t>
+              <a:t>17/8/12</a:t>
             </a:fld>
             <a:endParaRPr lang="en-US" dirty="0"/>
           </a:p>
@@ -3413,7 +3413,7 @@
             <a:fld id="{B61BEF0D-F0BB-DE4B-95CE-6DB70DBA9567}" type="datetimeFigureOut">
               <a:rPr lang="en-US" dirty="0"/>
               <a:pPr/>
-              <a:t>17/8/8</a:t>
+              <a:t>17/8/12</a:t>
             </a:fld>
             <a:endParaRPr lang="en-US" dirty="0"/>
           </a:p>
@@ -3657,7 +3657,7 @@
             <a:fld id="{B61BEF0D-F0BB-DE4B-95CE-6DB70DBA9567}" type="datetimeFigureOut">
               <a:rPr lang="en-US" dirty="0"/>
               <a:pPr/>
-              <a:t>17/8/8</a:t>
+              <a:t>17/8/12</a:t>
             </a:fld>
             <a:endParaRPr lang="en-US" dirty="0"/>
           </a:p>
@@ -3885,7 +3885,7 @@
           <a:p>
             <a:fld id="{EB712588-04B1-427B-82EE-E8DB90309F08}" type="datetimeFigureOut">
               <a:rPr lang="en-US" dirty="0"/>
-              <a:t>17/8/8</a:t>
+              <a:t>17/8/12</a:t>
             </a:fld>
             <a:endParaRPr lang="en-US" dirty="0"/>
           </a:p>
@@ -4255,7 +4255,7 @@
             <a:fld id="{B61BEF0D-F0BB-DE4B-95CE-6DB70DBA9567}" type="datetimeFigureOut">
               <a:rPr lang="en-US" dirty="0"/>
               <a:pPr/>
-              <a:t>17/8/8</a:t>
+              <a:t>17/8/12</a:t>
             </a:fld>
             <a:endParaRPr lang="en-US" dirty="0"/>
           </a:p>
@@ -4375,7 +4375,7 @@
             <a:fld id="{B61BEF0D-F0BB-DE4B-95CE-6DB70DBA9567}" type="datetimeFigureOut">
               <a:rPr lang="en-US" dirty="0"/>
               <a:pPr/>
-              <a:t>17/8/8</a:t>
+              <a:t>17/8/12</a:t>
             </a:fld>
             <a:endParaRPr lang="en-US" dirty="0"/>
           </a:p>
@@ -4467,7 +4467,7 @@
             <a:fld id="{B61BEF0D-F0BB-DE4B-95CE-6DB70DBA9567}" type="datetimeFigureOut">
               <a:rPr lang="en-US" dirty="0"/>
               <a:pPr/>
-              <a:t>17/8/8</a:t>
+              <a:t>17/8/12</a:t>
             </a:fld>
             <a:endParaRPr lang="en-US" dirty="0"/>
           </a:p>
@@ -4718,7 +4718,7 @@
           <a:p>
             <a:fld id="{42A54C80-263E-416B-A8E0-580EDEADCBDC}" type="datetimeFigureOut">
               <a:rPr lang="en-US" dirty="0"/>
-              <a:t>17/8/8</a:t>
+              <a:t>17/8/12</a:t>
             </a:fld>
             <a:endParaRPr lang="en-US" dirty="0"/>
           </a:p>
@@ -4977,7 +4977,7 @@
             <a:fld id="{B61BEF0D-F0BB-DE4B-95CE-6DB70DBA9567}" type="datetimeFigureOut">
               <a:rPr lang="en-US" dirty="0"/>
               <a:pPr/>
-              <a:t>17/8/8</a:t>
+              <a:t>17/8/12</a:t>
             </a:fld>
             <a:endParaRPr lang="en-US" dirty="0"/>
           </a:p>
@@ -5717,7 +5717,7 @@
             <a:fld id="{B61BEF0D-F0BB-DE4B-95CE-6DB70DBA9567}" type="datetimeFigureOut">
               <a:rPr lang="en-US" dirty="0"/>
               <a:pPr/>
-              <a:t>17/8/8</a:t>
+              <a:t>17/8/12</a:t>
             </a:fld>
             <a:endParaRPr lang="en-US" dirty="0"/>
           </a:p>
@@ -6317,8 +6317,12 @@
               <a:t>Boot</a:t>
             </a:r>
             <a:r>
-              <a:rPr kumimoji="1" lang="zh-CN" altLang="en-US" sz="2400" dirty="0" smtClean="0"/>
-              <a:t> 缓存</a:t>
+              <a:rPr kumimoji="1" lang="zh-CN" altLang="en-US" sz="2400" smtClean="0"/>
+              <a:t> </a:t>
+            </a:r>
+            <a:r>
+              <a:rPr kumimoji="1" lang="zh-CN" altLang="en-US" sz="2400" smtClean="0"/>
+              <a:t>消息</a:t>
             </a:r>
             <a:endParaRPr kumimoji="1" lang="zh-CN" altLang="en-US" dirty="0"/>
           </a:p>
@@ -6670,31 +6674,7 @@
                 </a:solidFill>
                 <a:latin typeface="+mn-ea"/>
               </a:rPr>
-              <a:t>原生值，它是</a:t>
-            </a:r>
-            <a:r>
-              <a:rPr lang="zh-CN" altLang="en-US" dirty="0" smtClean="0">
-                <a:solidFill>
-                  <a:prstClr val="black">
-                    <a:lumMod val="75000"/>
-                    <a:lumOff val="25000"/>
-                  </a:prstClr>
-                </a:solidFill>
-                <a:latin typeface="+mn-ea"/>
-              </a:rPr>
-              <a:t>连续地</a:t>
-            </a:r>
-            <a:r>
-              <a:rPr lang="zh-CN" altLang="en-US" dirty="0" smtClean="0">
-                <a:solidFill>
-                  <a:prstClr val="black">
-                    <a:lumMod val="75000"/>
-                    <a:lumOff val="25000"/>
-                  </a:prstClr>
-                </a:solidFill>
-                <a:latin typeface="+mn-ea"/>
-              </a:rPr>
-              <a:t>被填充和读取的。</a:t>
+              <a:t>原生值，它是连续地被填充和读取的。</a:t>
             </a:r>
             <a:endParaRPr lang="en-US" altLang="zh-CN" dirty="0" smtClean="0">
               <a:solidFill>
@@ -6775,31 +6755,7 @@
                 </a:solidFill>
                 <a:latin typeface="+mn-ea"/>
               </a:rPr>
-              <a:t>原生类型。条目访问可被计算器连续地或者名称</a:t>
-            </a:r>
-            <a:r>
-              <a:rPr lang="zh-CN" altLang="en-US" dirty="0" smtClean="0">
-                <a:solidFill>
-                  <a:prstClr val="black">
-                    <a:lumMod val="75000"/>
-                    <a:lumOff val="25000"/>
-                  </a:prstClr>
-                </a:solidFill>
-                <a:latin typeface="+mn-ea"/>
-              </a:rPr>
-              <a:t>随机地</a:t>
-            </a:r>
-            <a:r>
-              <a:rPr lang="zh-CN" altLang="en-US" dirty="0" smtClean="0">
-                <a:solidFill>
-                  <a:prstClr val="black">
-                    <a:lumMod val="75000"/>
-                    <a:lumOff val="25000"/>
-                  </a:prstClr>
-                </a:solidFill>
-                <a:latin typeface="+mn-ea"/>
-              </a:rPr>
-              <a:t>访问，它的顺序并不一定。</a:t>
+              <a:t>原生类型。条目访问可被计算器连续地或者名称随机地访问，它的顺序并不一定。</a:t>
             </a:r>
             <a:endParaRPr lang="en-US" altLang="zh-CN" dirty="0" smtClean="0">
               <a:solidFill>
@@ -6868,19 +6824,7 @@
                 </a:solidFill>
                 <a:latin typeface="+mn-ea"/>
               </a:rPr>
-              <a:t>消息整体主体包含</a:t>
-            </a:r>
-            <a:r>
-              <a:rPr lang="zh-CN" altLang="en-US" sz="1600" dirty="0" smtClean="0">
-                <a:solidFill>
-                  <a:prstClr val="black">
-                    <a:lumMod val="75000"/>
-                    <a:lumOff val="25000"/>
-                  </a:prstClr>
-                </a:solidFill>
-                <a:latin typeface="+mn-ea"/>
-              </a:rPr>
-              <a:t>一个</a:t>
+              <a:t>消息整体主体包含一个</a:t>
             </a:r>
             <a:r>
               <a:rPr lang="en-US" altLang="zh-CN" sz="1600" dirty="0" smtClean="0">
@@ -7425,19 +7369,7 @@
                 </a:solidFill>
                 <a:latin typeface="华文新魏"/>
               </a:rPr>
-              <a:t>消息</a:t>
-            </a:r>
-            <a:r>
-              <a:rPr lang="zh-CN" altLang="en-US" sz="2400" dirty="0" smtClean="0">
-                <a:solidFill>
-                  <a:prstClr val="black">
-                    <a:lumMod val="75000"/>
-                    <a:lumOff val="25000"/>
-                  </a:prstClr>
-                </a:solidFill>
-                <a:latin typeface="华文新魏"/>
-              </a:rPr>
-              <a:t>模型</a:t>
+              <a:t>消息模型</a:t>
             </a:r>
             <a:endParaRPr lang="en-US" altLang="zh-CN" sz="2400" dirty="0" smtClean="0">
               <a:solidFill>
@@ -7963,19 +7895,7 @@
               <a:rPr lang="zh-CN" altLang="en-US" dirty="0" smtClean="0">
                 <a:latin typeface="+mn-ea"/>
               </a:rPr>
-              <a:t>，是一种针对面向消息中间件的开放</a:t>
-            </a:r>
-            <a:r>
-              <a:rPr lang="zh-CN" altLang="en-US" dirty="0" smtClean="0">
-                <a:latin typeface="+mn-ea"/>
-              </a:rPr>
-              <a:t>标准</a:t>
-            </a:r>
-            <a:r>
-              <a:rPr lang="zh-CN" altLang="en-US" dirty="0" smtClean="0">
-                <a:latin typeface="+mn-ea"/>
-              </a:rPr>
-              <a:t>应用层协议，定义了面向消息、队列、路由、可靠性和安全等特性。</a:t>
+              <a:t>，是一种针对面向消息中间件的开放标准应用层协议，定义了面向消息、队列、路由、可靠性和安全等特性。</a:t>
             </a:r>
             <a:endParaRPr lang="en-US" altLang="zh-CN" dirty="0" smtClean="0">
               <a:latin typeface="+mn-ea"/>
@@ -8442,13 +8362,7 @@
               <a:rPr lang="zh-CN" altLang="en-US" dirty="0" smtClean="0">
                 <a:latin typeface="+mn-ea"/>
               </a:rPr>
-              <a:t> 是一种分布式流式计算平台，用于构建实时的数据流水线以及流式计算应用，它是</a:t>
-            </a:r>
-            <a:r>
-              <a:rPr lang="zh-CN" altLang="en-US" dirty="0" smtClean="0">
-                <a:latin typeface="+mn-ea"/>
-              </a:rPr>
-              <a:t>水平伸缩的、容错的、极其快速，并且运行在成千上万的公司的生产环境。</a:t>
+              <a:t> 是一种分布式流式计算平台，用于构建实时的数据流水线以及流式计算应用，它是水平伸缩的、容错的、极其快速，并且运行在成千上万的公司的生产环境。</a:t>
             </a:r>
             <a:endParaRPr lang="en-US" altLang="zh-CN" dirty="0" smtClean="0">
               <a:latin typeface="+mn-ea"/>
@@ -9150,9 +9064,6 @@
               </a:rPr>
               <a:t>API</a:t>
             </a:r>
-            <a:endParaRPr lang="en-US" altLang="zh-CN" sz="2400" dirty="0" smtClean="0">
-              <a:latin typeface="+mn-ea"/>
-            </a:endParaRPr>
           </a:p>
           <a:p>
             <a:pPr lvl="1"/>
@@ -9206,25 +9117,7 @@
               <a:rPr lang="zh-CN" altLang="en-US" sz="1800" dirty="0" smtClean="0">
                 <a:latin typeface="+mn-ea"/>
               </a:rPr>
-              <a:t>能够让应用</a:t>
-            </a:r>
-            <a:r>
-              <a:rPr lang="zh-CN" altLang="en-US" sz="1800" dirty="0" smtClean="0">
-                <a:latin typeface="+mn-ea"/>
-              </a:rPr>
-              <a:t>订阅</a:t>
-            </a:r>
-            <a:r>
-              <a:rPr lang="zh-CN" altLang="en-US" sz="1800" dirty="0" smtClean="0">
-                <a:latin typeface="+mn-ea"/>
-              </a:rPr>
-              <a:t>流式记录到一个或多个主题</a:t>
-            </a:r>
-            <a:r>
-              <a:rPr lang="zh-CN" altLang="en-US" sz="1800" dirty="0" smtClean="0">
-                <a:latin typeface="+mn-ea"/>
-              </a:rPr>
-              <a:t>，并且处理他们</a:t>
+              <a:t>能够让应用订阅流式记录到一个或多个主题，并且处理他们</a:t>
             </a:r>
             <a:endParaRPr lang="en-US" altLang="zh-CN" sz="1800" dirty="0" smtClean="0">
               <a:latin typeface="+mn-ea"/>
@@ -10472,21 +10365,7 @@
                 <a:latin typeface="方正姚体" panose="02010601030101010101" pitchFamily="2" charset="-122"/>
                 <a:ea typeface="方正姚体" panose="02010601030101010101" pitchFamily="2" charset="-122"/>
               </a:rPr>
-              <a:t>JSR</a:t>
-            </a:r>
-            <a:r>
-              <a:rPr lang="en-US" altLang="zh-CN" sz="2600" dirty="0" smtClean="0">
-                <a:latin typeface="方正姚体" panose="02010601030101010101" pitchFamily="2" charset="-122"/>
-                <a:ea typeface="方正姚体" panose="02010601030101010101" pitchFamily="2" charset="-122"/>
-              </a:rPr>
-              <a:t>-</a:t>
-            </a:r>
-            <a:r>
-              <a:rPr lang="en-US" altLang="zh-CN" sz="2600" dirty="0" smtClean="0">
-                <a:latin typeface="方正姚体" panose="02010601030101010101" pitchFamily="2" charset="-122"/>
-                <a:ea typeface="方正姚体" panose="02010601030101010101" pitchFamily="2" charset="-122"/>
-              </a:rPr>
-              <a:t>914</a:t>
+              <a:t>JSR-914</a:t>
             </a:r>
             <a:r>
               <a:rPr lang="zh-CN" altLang="en-US" sz="2600" dirty="0" smtClean="0">
@@ -10891,13 +10770,7 @@
               <a:rPr lang="zh-CN" altLang="en-US" sz="2400" dirty="0" smtClean="0">
                 <a:latin typeface="+mn-ea"/>
               </a:rPr>
-              <a:t>规范</a:t>
-            </a:r>
-            <a:r>
-              <a:rPr lang="zh-CN" altLang="en-US" sz="2400" dirty="0" smtClean="0">
-                <a:latin typeface="+mn-ea"/>
-              </a:rPr>
-              <a:t>版本</a:t>
+              <a:t>规范版本</a:t>
             </a:r>
             <a:endParaRPr lang="en-US" altLang="zh-CN" sz="2400" dirty="0">
               <a:latin typeface="+mn-ea"/>
@@ -10996,13 +10869,7 @@
               <a:rPr lang="en-US" altLang="zh-CN" sz="2000" dirty="0" smtClean="0">
                 <a:latin typeface="+mn-ea"/>
               </a:rPr>
-              <a:t>(</a:t>
-            </a:r>
-            <a:r>
-              <a:rPr lang="en-US" altLang="zh-CN" sz="2000" dirty="0" smtClean="0">
-                <a:latin typeface="+mn-ea"/>
-              </a:rPr>
-              <a:t>2002</a:t>
+              <a:t>(2002</a:t>
             </a:r>
             <a:r>
               <a:rPr lang="zh-CN" altLang="en-US" sz="2000" dirty="0">
@@ -11311,25 +11178,7 @@
               <a:rPr lang="zh-CN" altLang="en-US" dirty="0" smtClean="0">
                 <a:latin typeface="+mn-ea"/>
               </a:rPr>
-              <a:t>）</a:t>
-            </a:r>
-            <a:r>
-              <a:rPr lang="zh-CN" altLang="en-US" dirty="0" smtClean="0">
-                <a:latin typeface="+mn-ea"/>
-              </a:rPr>
-              <a:t>是一种支持在分布式系统中发送和接受消息软件或者硬件的基础设施。</a:t>
-            </a:r>
-            <a:r>
-              <a:rPr lang="zh-CN" altLang="en-US" dirty="0" smtClean="0">
-                <a:latin typeface="+mn-ea"/>
-              </a:rPr>
-              <a:t>通过非对称平台</a:t>
-            </a:r>
-            <a:r>
-              <a:rPr lang="zh-CN" altLang="en-US" dirty="0" smtClean="0">
-                <a:latin typeface="+mn-ea"/>
-              </a:rPr>
-              <a:t>，</a:t>
+              <a:t>）是一种支持在分布式系统中发送和接受消息软件或者硬件的基础设施。通过非对称平台，</a:t>
             </a:r>
             <a:r>
               <a:rPr lang="en-US" altLang="zh-CN" dirty="0" smtClean="0">
@@ -11668,9 +11517,6 @@
               </a:rPr>
               <a:t>MOM</a:t>
             </a:r>
-            <a:endParaRPr lang="en-US" altLang="zh-CN" sz="2000" dirty="0" smtClean="0">
-              <a:latin typeface="+mn-ea"/>
-            </a:endParaRPr>
           </a:p>
           <a:p>
             <a:pPr lvl="1"/>
@@ -12099,13 +11945,7 @@
               <a:rPr lang="zh-CN" altLang="en-US" sz="2000" dirty="0" smtClean="0">
                 <a:latin typeface="+mn-ea"/>
               </a:rPr>
-              <a:t>消息属性</a:t>
-            </a:r>
-            <a:r>
-              <a:rPr lang="zh-CN" altLang="en-US" sz="2000" dirty="0" smtClean="0">
-                <a:latin typeface="+mn-ea"/>
-              </a:rPr>
-              <a:t>（</a:t>
+              <a:t>消息属性（</a:t>
             </a:r>
             <a:r>
               <a:rPr lang="en-US" altLang="zh-CN" sz="2000" dirty="0" smtClean="0">
@@ -12366,19 +12206,7 @@
               <a:rPr lang="zh-CN" altLang="en-US" sz="2400" dirty="0" smtClean="0">
                 <a:latin typeface="+mn-ea"/>
               </a:rPr>
-              <a:t> 消息头</a:t>
-            </a:r>
-            <a:r>
-              <a:rPr lang="zh-CN" altLang="en-US" sz="2400" dirty="0" smtClean="0">
-                <a:latin typeface="+mn-ea"/>
-              </a:rPr>
-              <a:t>字段</a:t>
-            </a:r>
-            <a:r>
-              <a:rPr lang="zh-CN" altLang="en-US" sz="2400" dirty="0" smtClean="0">
-                <a:latin typeface="+mn-ea"/>
-              </a:rPr>
-              <a:t>（</a:t>
+              <a:t> 消息头字段（</a:t>
             </a:r>
             <a:r>
               <a:rPr lang="en-US" altLang="zh-CN" sz="2400" dirty="0" smtClean="0">
@@ -12894,7 +12722,7 @@
   <a:extraClrSchemeLst/>
   <a:extLst>
     <a:ext uri="{05A4C25C-085E-4340-85A3-A5531E510DB2}">
-      <thm15:themeFamily xmlns="" xmlns:thm15="http://schemas.microsoft.com/office/thememl/2012/main" name="Facet" id="{C0C680CD-088A-49FC-A102-D699147F32B2}" vid="{CFBC31BA-B70F-4F30-BCAA-4F3011E16C4D}"/>
+      <thm15:themeFamily xmlns:thm15="http://schemas.microsoft.com/office/thememl/2012/main" xmlns="" name="Facet" id="{C0C680CD-088A-49FC-A102-D699147F32B2}" vid="{CFBC31BA-B70F-4F30-BCAA-4F3011E16C4D}"/>
     </a:ext>
   </a:extLst>
 </a:theme>
@@ -13155,7 +12983,7 @@
   <a:extraClrSchemeLst/>
   <a:extLst>
     <a:ext uri="{05A4C25C-085E-4340-85A3-A5531E510DB2}">
-      <thm15:themeFamily xmlns="" xmlns:thm15="http://schemas.microsoft.com/office/thememl/2012/main" name="Office Theme" id="{62F939B6-93AF-4DB8-9C6B-D6C7DFDC589F}" vid="{4A3C46E8-61CC-4603-A589-7422A47A8E4A}"/>
+      <thm15:themeFamily xmlns:thm15="http://schemas.microsoft.com/office/thememl/2012/main" xmlns="" name="Office Theme" id="{62F939B6-93AF-4DB8-9C6B-D6C7DFDC589F}" vid="{4A3C46E8-61CC-4603-A589-7422A47A8E4A}"/>
     </a:ext>
   </a:extLst>
 </a:theme>
